--- a/docs/midpoint/2012-04-02 Midpoint Presentation.pptx
+++ b/docs/midpoint/2012-04-02 Midpoint Presentation.pptx
@@ -120,17 +120,7 @@
 
 <file path=ppt/charts/chart1.xml><?xml version="1.0" encoding="utf-8"?>
 <c:chartSpace xmlns:c="http://schemas.openxmlformats.org/drawingml/2006/chart" xmlns:a="http://schemas.openxmlformats.org/drawingml/2006/main" xmlns:r="http://schemas.openxmlformats.org/officeDocument/2006/relationships">
-  <c:date1904 val="0"/>
   <c:lang val="en-US"/>
-  <c:roundedCorners val="0"/>
-  <mc:AlternateContent xmlns:mc="http://schemas.openxmlformats.org/markup-compatibility/2006">
-    <mc:Choice xmlns:c14="http://schemas.microsoft.com/office/drawing/2007/8/2/chart" Requires="c14">
-      <c14:style val="102"/>
-    </mc:Choice>
-    <mc:Fallback>
-      <c:style val="2"/>
-    </mc:Fallback>
-  </mc:AlternateContent>
   <c:chart>
     <c:title>
       <c:tx>
@@ -165,9 +155,7 @@
           <c:y val="1.5625E-2"/>
         </c:manualLayout>
       </c:layout>
-      <c:overlay val="0"/>
     </c:title>
-    <c:autoTitleDeleted val="0"/>
     <c:plotArea>
       <c:layout/>
       <c:pieChart>
@@ -222,38 +210,28 @@
                   <c:v>185.96019200000001</c:v>
                 </c:pt>
                 <c:pt idx="2">
-                  <c:v>1.200393</c:v>
+                  <c:v>1.2003929999999998</c:v>
                 </c:pt>
                 <c:pt idx="3">
                   <c:v>1.663195</c:v>
                 </c:pt>
                 <c:pt idx="4">
-                  <c:v>4.3758860000000004</c:v>
+                  <c:v>4.3758859999999995</c:v>
                 </c:pt>
               </c:numCache>
             </c:numRef>
           </c:val>
         </c:ser>
-        <c:dLbls>
-          <c:showLegendKey val="0"/>
-          <c:showVal val="0"/>
-          <c:showCatName val="0"/>
-          <c:showSerName val="0"/>
-          <c:showPercent val="0"/>
-          <c:showBubbleSize val="0"/>
-          <c:showLeaderLines val="1"/>
-        </c:dLbls>
+        <c:dLbls/>
         <c:firstSliceAng val="0"/>
       </c:pieChart>
     </c:plotArea>
     <c:legend>
       <c:legendPos val="b"/>
       <c:layout/>
-      <c:overlay val="0"/>
     </c:legend>
     <c:plotVisOnly val="1"/>
-    <c:dispBlanksAs val="gap"/>
-    <c:showDLblsOverMax val="0"/>
+    <c:dispBlanksAs val="zero"/>
   </c:chart>
   <c:txPr>
     <a:bodyPr/>
@@ -265,25 +243,13 @@
       <a:endParaRPr lang="en-US"/>
     </a:p>
   </c:txPr>
-  <c:externalData r:id="rId1">
-    <c:autoUpdate val="0"/>
-  </c:externalData>
+  <c:externalData r:id="rId1"/>
 </c:chartSpace>
 </file>
 
 <file path=ppt/charts/chart2.xml><?xml version="1.0" encoding="utf-8"?>
 <c:chartSpace xmlns:c="http://schemas.openxmlformats.org/drawingml/2006/chart" xmlns:a="http://schemas.openxmlformats.org/drawingml/2006/main" xmlns:r="http://schemas.openxmlformats.org/officeDocument/2006/relationships">
-  <c:date1904 val="0"/>
   <c:lang val="en-US"/>
-  <c:roundedCorners val="0"/>
-  <mc:AlternateContent xmlns:mc="http://schemas.openxmlformats.org/markup-compatibility/2006">
-    <mc:Choice xmlns:c14="http://schemas.microsoft.com/office/drawing/2007/8/2/chart" Requires="c14">
-      <c14:style val="102"/>
-    </mc:Choice>
-    <mc:Fallback>
-      <c:style val="2"/>
-    </mc:Fallback>
-  </mc:AlternateContent>
   <c:chart>
     <c:title>
       <c:tx>
@@ -314,9 +280,7 @@
           <c:y val="1.5625E-2"/>
         </c:manualLayout>
       </c:layout>
-      <c:overlay val="0"/>
     </c:title>
-    <c:autoTitleDeleted val="0"/>
     <c:plotArea>
       <c:layout/>
       <c:pieChart>
@@ -362,7 +326,7 @@
                 <c:formatCode>General</c:formatCode>
                 <c:ptCount val="4"/>
                 <c:pt idx="0">
-                  <c:v>126.409699</c:v>
+                  <c:v>126.40969900000002</c:v>
                 </c:pt>
                 <c:pt idx="1">
                   <c:v>2.4599999999999999E-3</c:v>
@@ -371,32 +335,22 @@
                   <c:v>59.377491999999997</c:v>
                 </c:pt>
                 <c:pt idx="3">
-                  <c:v>0.154692</c:v>
+                  <c:v>0.15469200000000002</c:v>
                 </c:pt>
               </c:numCache>
             </c:numRef>
           </c:val>
         </c:ser>
-        <c:dLbls>
-          <c:showLegendKey val="0"/>
-          <c:showVal val="0"/>
-          <c:showCatName val="0"/>
-          <c:showSerName val="0"/>
-          <c:showPercent val="0"/>
-          <c:showBubbleSize val="0"/>
-          <c:showLeaderLines val="1"/>
-        </c:dLbls>
+        <c:dLbls/>
         <c:firstSliceAng val="0"/>
       </c:pieChart>
     </c:plotArea>
     <c:legend>
       <c:legendPos val="b"/>
       <c:layout/>
-      <c:overlay val="0"/>
     </c:legend>
     <c:plotVisOnly val="1"/>
-    <c:dispBlanksAs val="gap"/>
-    <c:showDLblsOverMax val="0"/>
+    <c:dispBlanksAs val="zero"/>
   </c:chart>
   <c:txPr>
     <a:bodyPr/>
@@ -408,33 +362,19 @@
       <a:endParaRPr lang="en-US"/>
     </a:p>
   </c:txPr>
-  <c:externalData r:id="rId1">
-    <c:autoUpdate val="0"/>
-  </c:externalData>
+  <c:externalData r:id="rId1"/>
 </c:chartSpace>
 </file>
 
 <file path=ppt/charts/chart3.xml><?xml version="1.0" encoding="utf-8"?>
 <c:chartSpace xmlns:c="http://schemas.openxmlformats.org/drawingml/2006/chart" xmlns:a="http://schemas.openxmlformats.org/drawingml/2006/main" xmlns:r="http://schemas.openxmlformats.org/officeDocument/2006/relationships">
-  <c:date1904 val="0"/>
   <c:lang val="en-US"/>
-  <c:roundedCorners val="0"/>
-  <mc:AlternateContent xmlns:mc="http://schemas.openxmlformats.org/markup-compatibility/2006">
-    <mc:Choice xmlns:c14="http://schemas.microsoft.com/office/drawing/2007/8/2/chart" Requires="c14">
-      <c14:style val="102"/>
-    </mc:Choice>
-    <mc:Fallback>
-      <c:style val="2"/>
-    </mc:Fallback>
-  </mc:AlternateContent>
   <c:chart>
-    <c:autoTitleDeleted val="0"/>
     <c:plotArea>
       <c:layout/>
       <c:barChart>
         <c:barDir val="col"/>
         <c:grouping val="clustered"/>
-        <c:varyColors val="0"/>
         <c:ser>
           <c:idx val="0"/>
           <c:order val="0"/>
@@ -449,7 +389,6 @@
               </c:strCache>
             </c:strRef>
           </c:tx>
-          <c:invertIfNegative val="0"/>
           <c:cat>
             <c:strRef>
               <c:f>Sheet1!$A$2:$A$5</c:f>
@@ -477,7 +416,7 @@
                 <c:formatCode>General</c:formatCode>
                 <c:ptCount val="4"/>
                 <c:pt idx="0">
-                  <c:v>126.409699</c:v>
+                  <c:v>126.40969900000002</c:v>
                 </c:pt>
                 <c:pt idx="1">
                   <c:v>59.377491999999997</c:v>
@@ -506,7 +445,6 @@
               </c:strCache>
             </c:strRef>
           </c:tx>
-          <c:invertIfNegative val="0"/>
           <c:cat>
             <c:strRef>
               <c:f>Sheet1!$A$2:$A$5</c:f>
@@ -534,63 +472,48 @@
                 <c:formatCode>General</c:formatCode>
                 <c:ptCount val="4"/>
                 <c:pt idx="0">
-                  <c:v>47.206356999999997</c:v>
+                  <c:v>47.206357000000011</c:v>
                 </c:pt>
                 <c:pt idx="1">
                   <c:v>30.447078000000001</c:v>
                 </c:pt>
                 <c:pt idx="2">
-                  <c:v>77.675567999999998</c:v>
+                  <c:v>77.675567999999984</c:v>
                 </c:pt>
                 <c:pt idx="3">
-                  <c:v>93.312641999999997</c:v>
+                  <c:v>93.312641999999983</c:v>
                 </c:pt>
               </c:numCache>
             </c:numRef>
           </c:val>
         </c:ser>
-        <c:dLbls>
-          <c:showLegendKey val="0"/>
-          <c:showVal val="0"/>
-          <c:showCatName val="0"/>
-          <c:showSerName val="0"/>
-          <c:showPercent val="0"/>
-          <c:showBubbleSize val="0"/>
-        </c:dLbls>
-        <c:gapWidth val="150"/>
-        <c:axId val="47662208"/>
-        <c:axId val="47663744"/>
+        <c:dLbls/>
+        <c:axId val="76185600"/>
+        <c:axId val="76187136"/>
       </c:barChart>
       <c:catAx>
-        <c:axId val="47662208"/>
+        <c:axId val="76185600"/>
         <c:scaling>
           <c:orientation val="minMax"/>
         </c:scaling>
-        <c:delete val="0"/>
         <c:axPos val="b"/>
-        <c:majorTickMark val="out"/>
-        <c:minorTickMark val="none"/>
         <c:tickLblPos val="nextTo"/>
-        <c:crossAx val="47663744"/>
+        <c:crossAx val="76187136"/>
         <c:crosses val="autoZero"/>
         <c:auto val="1"/>
         <c:lblAlgn val="ctr"/>
         <c:lblOffset val="100"/>
-        <c:noMultiLvlLbl val="0"/>
       </c:catAx>
       <c:valAx>
-        <c:axId val="47663744"/>
+        <c:axId val="76187136"/>
         <c:scaling>
           <c:orientation val="minMax"/>
         </c:scaling>
-        <c:delete val="0"/>
         <c:axPos val="l"/>
         <c:majorGridlines/>
         <c:numFmt formatCode="General" sourceLinked="1"/>
-        <c:majorTickMark val="out"/>
-        <c:minorTickMark val="none"/>
         <c:tickLblPos val="nextTo"/>
-        <c:crossAx val="47662208"/>
+        <c:crossAx val="76185600"/>
         <c:crosses val="autoZero"/>
         <c:crossBetween val="between"/>
       </c:valAx>
@@ -598,11 +521,9 @@
     <c:legend>
       <c:legendPos val="t"/>
       <c:layout/>
-      <c:overlay val="0"/>
     </c:legend>
     <c:plotVisOnly val="1"/>
     <c:dispBlanksAs val="gap"/>
-    <c:showDLblsOverMax val="0"/>
   </c:chart>
   <c:txPr>
     <a:bodyPr/>
@@ -614,9 +535,7 @@
       <a:endParaRPr lang="en-US"/>
     </a:p>
   </c:txPr>
-  <c:externalData r:id="rId1">
-    <c:autoUpdate val="0"/>
-  </c:externalData>
+  <c:externalData r:id="rId1"/>
 </c:chartSpace>
 </file>
 
@@ -1071,7 +990,7 @@
               </a:pathLst>
             </a:custGeom>
             <a:blipFill>
-              <a:blip r:embed="rId2">
+              <a:blip r:embed="rId2" cstate="print">
                 <a:alphaModFix amt="50000"/>
               </a:blip>
               <a:tile tx="0" ty="0" sx="50000" sy="50000" flip="none" algn="t"/>
@@ -1245,6 +1164,7 @@
           <a:p>
             <a:fld id="{993D39E9-33B0-4146-851F-854428368B73}" type="datetimeFigureOut">
               <a:rPr lang="en-US" smtClean="0"/>
+              <a:pPr/>
               <a:t>4/1/2012</a:t>
             </a:fld>
             <a:endParaRPr lang="en-US"/>
@@ -1307,6 +1227,7 @@
           <a:p>
             <a:fld id="{A7F838C4-B308-4A77-B6AA-E2E5AB2F9163}" type="slidenum">
               <a:rPr lang="en-US" smtClean="0"/>
+              <a:pPr/>
               <a:t>‹#›</a:t>
             </a:fld>
             <a:endParaRPr lang="en-US"/>
@@ -1441,6 +1362,7 @@
           <a:p>
             <a:fld id="{993D39E9-33B0-4146-851F-854428368B73}" type="datetimeFigureOut">
               <a:rPr lang="en-US" smtClean="0"/>
+              <a:pPr/>
               <a:t>4/1/2012</a:t>
             </a:fld>
             <a:endParaRPr lang="en-US"/>
@@ -1487,6 +1409,7 @@
           <a:p>
             <a:fld id="{A7F838C4-B308-4A77-B6AA-E2E5AB2F9163}" type="slidenum">
               <a:rPr lang="en-US" smtClean="0"/>
+              <a:pPr/>
               <a:t>‹#›</a:t>
             </a:fld>
             <a:endParaRPr lang="en-US"/>
@@ -1626,6 +1549,7 @@
           <a:p>
             <a:fld id="{993D39E9-33B0-4146-851F-854428368B73}" type="datetimeFigureOut">
               <a:rPr lang="en-US" smtClean="0"/>
+              <a:pPr/>
               <a:t>4/1/2012</a:t>
             </a:fld>
             <a:endParaRPr lang="en-US"/>
@@ -1672,6 +1596,7 @@
           <a:p>
             <a:fld id="{A7F838C4-B308-4A77-B6AA-E2E5AB2F9163}" type="slidenum">
               <a:rPr lang="en-US" smtClean="0"/>
+              <a:pPr/>
               <a:t>‹#›</a:t>
             </a:fld>
             <a:endParaRPr lang="en-US"/>
@@ -1776,6 +1701,7 @@
           <a:p>
             <a:fld id="{993D39E9-33B0-4146-851F-854428368B73}" type="datetimeFigureOut">
               <a:rPr lang="en-US" smtClean="0"/>
+              <a:pPr/>
               <a:t>4/1/2012</a:t>
             </a:fld>
             <a:endParaRPr lang="en-US"/>
@@ -1822,6 +1748,7 @@
           <a:p>
             <a:fld id="{A7F838C4-B308-4A77-B6AA-E2E5AB2F9163}" type="slidenum">
               <a:rPr lang="en-US" smtClean="0"/>
+              <a:pPr/>
               <a:t>‹#›</a:t>
             </a:fld>
             <a:endParaRPr lang="en-US"/>
@@ -2031,6 +1958,7 @@
           <a:p>
             <a:fld id="{993D39E9-33B0-4146-851F-854428368B73}" type="datetimeFigureOut">
               <a:rPr lang="en-US" smtClean="0"/>
+              <a:pPr/>
               <a:t>4/1/2012</a:t>
             </a:fld>
             <a:endParaRPr lang="en-US"/>
@@ -2077,6 +2005,7 @@
           <a:p>
             <a:fld id="{A7F838C4-B308-4A77-B6AA-E2E5AB2F9163}" type="slidenum">
               <a:rPr lang="en-US" smtClean="0"/>
+              <a:pPr/>
               <a:t>‹#›</a:t>
             </a:fld>
             <a:endParaRPr lang="en-US"/>
@@ -2440,6 +2369,7 @@
           <a:p>
             <a:fld id="{993D39E9-33B0-4146-851F-854428368B73}" type="datetimeFigureOut">
               <a:rPr lang="en-US" smtClean="0"/>
+              <a:pPr/>
               <a:t>4/1/2012</a:t>
             </a:fld>
             <a:endParaRPr lang="en-US"/>
@@ -2486,6 +2416,7 @@
           <a:p>
             <a:fld id="{A7F838C4-B308-4A77-B6AA-E2E5AB2F9163}" type="slidenum">
               <a:rPr lang="en-US" smtClean="0"/>
+              <a:pPr/>
               <a:t>‹#›</a:t>
             </a:fld>
             <a:endParaRPr lang="en-US"/>
@@ -2886,6 +2817,7 @@
           <a:p>
             <a:fld id="{993D39E9-33B0-4146-851F-854428368B73}" type="datetimeFigureOut">
               <a:rPr lang="en-US" smtClean="0"/>
+              <a:pPr/>
               <a:t>4/1/2012</a:t>
             </a:fld>
             <a:endParaRPr lang="en-US"/>
@@ -2932,6 +2864,7 @@
           <a:p>
             <a:fld id="{A7F838C4-B308-4A77-B6AA-E2E5AB2F9163}" type="slidenum">
               <a:rPr lang="en-US" smtClean="0"/>
+              <a:pPr/>
               <a:t>‹#›</a:t>
             </a:fld>
             <a:endParaRPr lang="en-US"/>
@@ -2987,6 +2920,7 @@
           <a:p>
             <a:fld id="{993D39E9-33B0-4146-851F-854428368B73}" type="datetimeFigureOut">
               <a:rPr lang="en-US" smtClean="0"/>
+              <a:pPr/>
               <a:t>4/1/2012</a:t>
             </a:fld>
             <a:endParaRPr lang="en-US"/>
@@ -3033,6 +2967,7 @@
           <a:p>
             <a:fld id="{A7F838C4-B308-4A77-B6AA-E2E5AB2F9163}" type="slidenum">
               <a:rPr lang="en-US" smtClean="0"/>
+              <a:pPr/>
               <a:t>‹#›</a:t>
             </a:fld>
             <a:endParaRPr lang="en-US"/>
@@ -3108,6 +3043,7 @@
           <a:p>
             <a:fld id="{993D39E9-33B0-4146-851F-854428368B73}" type="datetimeFigureOut">
               <a:rPr lang="en-US" smtClean="0"/>
+              <a:pPr/>
               <a:t>4/1/2012</a:t>
             </a:fld>
             <a:endParaRPr lang="en-US"/>
@@ -3154,6 +3090,7 @@
           <a:p>
             <a:fld id="{A7F838C4-B308-4A77-B6AA-E2E5AB2F9163}" type="slidenum">
               <a:rPr lang="en-US" smtClean="0"/>
+              <a:pPr/>
               <a:t>‹#›</a:t>
             </a:fld>
             <a:endParaRPr lang="en-US"/>
@@ -3382,6 +3319,7 @@
           <a:p>
             <a:fld id="{993D39E9-33B0-4146-851F-854428368B73}" type="datetimeFigureOut">
               <a:rPr lang="en-US" smtClean="0"/>
+              <a:pPr/>
               <a:t>4/1/2012</a:t>
             </a:fld>
             <a:endParaRPr lang="en-US"/>
@@ -3428,6 +3366,7 @@
           <a:p>
             <a:fld id="{A7F838C4-B308-4A77-B6AA-E2E5AB2F9163}" type="slidenum">
               <a:rPr lang="en-US" smtClean="0"/>
+              <a:pPr/>
               <a:t>‹#›</a:t>
             </a:fld>
             <a:endParaRPr lang="en-US"/>
@@ -3587,6 +3526,7 @@
           <a:p>
             <a:fld id="{993D39E9-33B0-4146-851F-854428368B73}" type="datetimeFigureOut">
               <a:rPr lang="en-US" smtClean="0"/>
+              <a:pPr/>
               <a:t>4/1/2012</a:t>
             </a:fld>
             <a:endParaRPr lang="en-US"/>
@@ -3652,6 +3592,7 @@
           <a:p>
             <a:fld id="{A7F838C4-B308-4A77-B6AA-E2E5AB2F9163}" type="slidenum">
               <a:rPr lang="en-US" smtClean="0"/>
+              <a:pPr/>
               <a:t>‹#›</a:t>
             </a:fld>
             <a:endParaRPr lang="en-US"/>
@@ -3889,7 +3830,7 @@
             <a:avLst/>
           </a:prstGeom>
           <a:blipFill>
-            <a:blip r:embed="rId2">
+            <a:blip r:embed="rId2" cstate="print">
               <a:alphaModFix amt="50000"/>
             </a:blip>
             <a:tile tx="0" ty="0" sx="50000" sy="50000" flip="none" algn="t"/>
@@ -4409,7 +4350,7 @@
             <a:avLst/>
           </a:prstGeom>
           <a:blipFill>
-            <a:blip r:embed="rId13">
+            <a:blip r:embed="rId13" cstate="print">
               <a:alphaModFix amt="50000"/>
             </a:blip>
             <a:tile tx="0" ty="0" sx="50000" sy="50000" flip="none" algn="t"/>
@@ -4696,6 +4637,7 @@
           <a:p>
             <a:fld id="{993D39E9-33B0-4146-851F-854428368B73}" type="datetimeFigureOut">
               <a:rPr lang="en-US" smtClean="0"/>
+              <a:pPr/>
               <a:t>4/1/2012</a:t>
             </a:fld>
             <a:endParaRPr lang="en-US"/>
@@ -4772,6 +4714,7 @@
           <a:p>
             <a:fld id="{A7F838C4-B308-4A77-B6AA-E2E5AB2F9163}" type="slidenum">
               <a:rPr lang="en-US" smtClean="0"/>
+              <a:pPr/>
               <a:t>‹#›</a:t>
             </a:fld>
             <a:endParaRPr lang="en-US"/>
@@ -5196,10 +5139,10 @@
           <p:nvPr/>
         </p:nvPicPr>
         <p:blipFill>
-          <a:blip r:embed="rId2">
+          <a:blip r:embed="rId2" cstate="print">
             <a:extLst>
               <a:ext uri="{28A0092B-C50C-407E-A947-70E740481C1C}">
-                <a14:useLocalDpi xmlns:a14="http://schemas.microsoft.com/office/drawing/2010/main" val="0"/>
+                <a14:useLocalDpi xmlns:a14="http://schemas.microsoft.com/office/drawing/2010/main" xmlns="" val="0"/>
               </a:ext>
             </a:extLst>
           </a:blip>
@@ -5219,7 +5162,7 @@
           <a:noFill/>
           <a:extLst>
             <a:ext uri="{909E8E84-426E-40DD-AFC4-6F175D3DCCD1}">
-              <a14:hiddenFill xmlns:a14="http://schemas.microsoft.com/office/drawing/2010/main">
+              <a14:hiddenFill xmlns:a14="http://schemas.microsoft.com/office/drawing/2010/main" xmlns="">
                 <a:solidFill>
                   <a:srgbClr val="FFFFFF"/>
                 </a:solidFill>
@@ -5535,7 +5478,7 @@
     </p:spTree>
     <p:extLst>
       <p:ext uri="{BB962C8B-B14F-4D97-AF65-F5344CB8AC3E}">
-        <p14:creationId xmlns:p14="http://schemas.microsoft.com/office/powerpoint/2010/main" val="1133073010"/>
+        <p14:creationId xmlns:p14="http://schemas.microsoft.com/office/powerpoint/2010/main" xmlns="" val="1133073010"/>
       </p:ext>
     </p:extLst>
   </p:cSld>
@@ -5585,16 +5528,80 @@
           <a:lstStyle/>
           <a:p>
             <a:r>
-              <a:rPr lang="en-US" sz="2800" b="1" dirty="0" smtClean="0"/>
-              <a:t>TODO</a:t>
-            </a:r>
-          </a:p>
-          <a:p>
+              <a:rPr lang="en-US" sz="2800" dirty="0" smtClean="0"/>
+              <a:t>MATLAB’s </a:t>
+            </a:r>
+            <a:r>
+              <a:rPr lang="en-US" sz="2800" dirty="0" err="1" smtClean="0"/>
+              <a:t>gpuArray</a:t>
+            </a:r>
+            <a:r>
+              <a:rPr lang="en-US" sz="2800" dirty="0" smtClean="0"/>
+              <a:t>() and gather() function</a:t>
+            </a:r>
+          </a:p>
+          <a:p>
+            <a:r>
+              <a:rPr lang="en-US" sz="2800" dirty="0" smtClean="0"/>
+              <a:t>MATLAB’s build-in GPU functions</a:t>
+            </a:r>
+          </a:p>
+          <a:p>
+            <a:r>
+              <a:rPr lang="en-US" sz="2800" dirty="0" smtClean="0"/>
+              <a:t>Parallel GPU kernel by using </a:t>
+            </a:r>
+            <a:r>
+              <a:rPr lang="en-US" sz="2800" dirty="0" err="1" smtClean="0"/>
+              <a:t>arrayfun</a:t>
+            </a:r>
+            <a:r>
+              <a:rPr lang="en-US" sz="2800" dirty="0" smtClean="0"/>
+              <a:t>()</a:t>
+            </a:r>
+          </a:p>
+          <a:p>
+            <a:endParaRPr lang="en-US" sz="2800" dirty="0" smtClean="0"/>
+          </a:p>
+          <a:p>
+            <a:pPr>
+              <a:buNone/>
+            </a:pPr>
+            <a:endParaRPr lang="en-US" dirty="0" smtClean="0">
+              <a:hlinkClick r:id="rId2"/>
+            </a:endParaRPr>
+          </a:p>
+          <a:p>
+            <a:pPr>
+              <a:buNone/>
+            </a:pPr>
+            <a:endParaRPr lang="en-US" dirty="0" smtClean="0">
+              <a:hlinkClick r:id="rId2"/>
+            </a:endParaRPr>
+          </a:p>
+          <a:p>
+            <a:pPr>
+              <a:buNone/>
+            </a:pPr>
+            <a:endParaRPr lang="en-US" dirty="0" smtClean="0">
+              <a:hlinkClick r:id="rId2"/>
+            </a:endParaRPr>
+          </a:p>
+          <a:p>
+            <a:pPr>
+              <a:buNone/>
+            </a:pPr>
             <a:r>
               <a:rPr lang="en-US" dirty="0" smtClean="0">
                 <a:hlinkClick r:id="rId2"/>
               </a:rPr>
-              <a:t>http://www.mathworks.com/help/toolbox/distcomp/bsic3by.html</a:t>
+              <a:t>http</a:t>
+            </a:r>
+            <a:r>
+              <a:rPr lang="en-US" dirty="0" smtClean="0">
+                <a:hlinkClick r:id="rId2"/>
+              </a:rPr>
+              <a:t>://www.mathworks.com/help/toolbox/distcomp/bsic3by.html</a:t>
             </a:r>
             <a:r>
               <a:rPr lang="en-US" dirty="0" smtClean="0"/>
@@ -5623,20 +5630,48 @@
           <a:p>
             <a:r>
               <a:rPr lang="en-US" dirty="0" smtClean="0"/>
-              <a:t>GPU </a:t>
-            </a:r>
-            <a:r>
-              <a:rPr lang="en-US" dirty="0" smtClean="0"/>
-              <a:t>Parallelization - Approach</a:t>
+              <a:t>GPU Parallelization - Approach</a:t>
             </a:r>
             <a:endParaRPr lang="en-US" dirty="0"/>
           </a:p>
         </p:txBody>
       </p:sp>
+      <p:pic>
+        <p:nvPicPr>
+          <p:cNvPr id="1028" name="Picture 4"/>
+          <p:cNvPicPr>
+            <a:picLocks noChangeAspect="1" noChangeArrowheads="1"/>
+          </p:cNvPicPr>
+          <p:nvPr/>
+        </p:nvPicPr>
+        <p:blipFill>
+          <a:blip r:embed="rId3" cstate="print"/>
+          <a:srcRect/>
+          <a:stretch>
+            <a:fillRect/>
+          </a:stretch>
+        </p:blipFill>
+        <p:spPr bwMode="auto">
+          <a:xfrm>
+            <a:off x="480580" y="3009900"/>
+            <a:ext cx="8410142" cy="1409700"/>
+          </a:xfrm>
+          <a:prstGeom prst="rect">
+            <a:avLst/>
+          </a:prstGeom>
+          <a:noFill/>
+          <a:ln w="9525">
+            <a:noFill/>
+            <a:miter lim="800000"/>
+            <a:headEnd/>
+            <a:tailEnd/>
+          </a:ln>
+        </p:spPr>
+      </p:pic>
     </p:spTree>
     <p:extLst>
       <p:ext uri="{BB962C8B-B14F-4D97-AF65-F5344CB8AC3E}">
-        <p14:creationId xmlns:p14="http://schemas.microsoft.com/office/powerpoint/2010/main" val="3847394257"/>
+        <p14:creationId xmlns:p14="http://schemas.microsoft.com/office/powerpoint/2010/main" xmlns="" val="3847394257"/>
       </p:ext>
     </p:extLst>
   </p:cSld>
@@ -5679,20 +5714,25 @@
           <a:lstStyle/>
           <a:p>
             <a:r>
-              <a:rPr lang="en-US" sz="2800" b="1" dirty="0" smtClean="0"/>
-              <a:t>TODO</a:t>
-            </a:r>
-            <a:endParaRPr lang="en-US" sz="1200" b="1" dirty="0" smtClean="0"/>
-          </a:p>
-          <a:p>
-            <a:r>
-              <a:rPr lang="en-US" dirty="0" smtClean="0"/>
-              <a:t>Global variables</a:t>
-            </a:r>
-            <a:r>
-              <a:rPr lang="en-US" dirty="0" smtClean="0"/>
-              <a:t>/data structures</a:t>
-            </a:r>
+              <a:rPr lang="en-US" sz="2800" dirty="0" smtClean="0"/>
+              <a:t>Global variables/data </a:t>
+            </a:r>
+            <a:r>
+              <a:rPr lang="en-US" sz="2800" dirty="0" smtClean="0"/>
+              <a:t>structures</a:t>
+            </a:r>
+          </a:p>
+          <a:p>
+            <a:pPr>
+              <a:buNone/>
+            </a:pPr>
+            <a:endParaRPr lang="en-US" sz="2800" dirty="0" smtClean="0"/>
+          </a:p>
+          <a:p>
+            <a:pPr>
+              <a:buNone/>
+            </a:pPr>
+            <a:endParaRPr lang="en-US" sz="2800" dirty="0" smtClean="0"/>
           </a:p>
           <a:p>
             <a:r>
@@ -5701,10 +5741,37 @@
             </a:r>
           </a:p>
           <a:p>
+            <a:pPr lvl="1"/>
             <a:r>
               <a:rPr lang="en-US" dirty="0" smtClean="0"/>
-              <a:t>Slow memory copy</a:t>
-            </a:r>
+              <a:t>Loops -&gt; GPU Kernel functions</a:t>
+            </a:r>
+          </a:p>
+          <a:p>
+            <a:pPr lvl="1"/>
+            <a:r>
+              <a:rPr lang="en-US" dirty="0" smtClean="0"/>
+              <a:t>Data -&gt; eliminate their cohesion and modify their type so that they can be used </a:t>
+            </a:r>
+            <a:r>
+              <a:rPr lang="en-US" dirty="0" smtClean="0"/>
+              <a:t>in GPU Kernel </a:t>
+            </a:r>
+            <a:endParaRPr lang="en-US" dirty="0" smtClean="0"/>
+          </a:p>
+          <a:p>
+            <a:r>
+              <a:rPr lang="en-US" dirty="0" smtClean="0"/>
+              <a:t>Slow memory </a:t>
+            </a:r>
+            <a:r>
+              <a:rPr lang="en-US" dirty="0" smtClean="0"/>
+              <a:t>copy</a:t>
+            </a:r>
+          </a:p>
+          <a:p>
+            <a:pPr lvl="1"/>
+            <a:endParaRPr lang="en-US" dirty="0" smtClean="0"/>
           </a:p>
         </p:txBody>
       </p:sp>
@@ -5725,20 +5792,200 @@
           <a:p>
             <a:r>
               <a:rPr lang="en-US" dirty="0" smtClean="0"/>
-              <a:t>GPU </a:t>
-            </a:r>
-            <a:r>
-              <a:rPr lang="en-US" dirty="0" smtClean="0"/>
-              <a:t>Parallelization - Issues</a:t>
+              <a:t>GPU Parallelization - Issues</a:t>
             </a:r>
             <a:endParaRPr lang="en-US" dirty="0"/>
           </a:p>
         </p:txBody>
       </p:sp>
+      <p:pic>
+        <p:nvPicPr>
+          <p:cNvPr id="2050" name="Picture 2"/>
+          <p:cNvPicPr>
+            <a:picLocks noChangeAspect="1" noChangeArrowheads="1"/>
+          </p:cNvPicPr>
+          <p:nvPr/>
+        </p:nvPicPr>
+        <p:blipFill>
+          <a:blip r:embed="rId2" cstate="print"/>
+          <a:srcRect/>
+          <a:stretch>
+            <a:fillRect/>
+          </a:stretch>
+        </p:blipFill>
+        <p:spPr bwMode="auto">
+          <a:xfrm>
+            <a:off x="685800" y="1981200"/>
+            <a:ext cx="7528560" cy="762000"/>
+          </a:xfrm>
+          <a:prstGeom prst="rect">
+            <a:avLst/>
+          </a:prstGeom>
+          <a:noFill/>
+          <a:ln w="9525">
+            <a:noFill/>
+            <a:miter lim="800000"/>
+            <a:headEnd/>
+            <a:tailEnd/>
+          </a:ln>
+        </p:spPr>
+      </p:pic>
+      <p:graphicFrame>
+        <p:nvGraphicFramePr>
+          <p:cNvPr id="5" name="Table 4"/>
+          <p:cNvGraphicFramePr>
+            <a:graphicFrameLocks noGrp="1"/>
+          </p:cNvGraphicFramePr>
+          <p:nvPr>
+            <p:extLst>
+              <p:ext uri="{D42A27DB-BD31-4B8C-83A1-F6EECF244321}">
+                <p14:modId xmlns:p14="http://schemas.microsoft.com/office/powerpoint/2010/main" xmlns="" val="1524661979"/>
+              </p:ext>
+            </p:extLst>
+          </p:nvPr>
+        </p:nvGraphicFramePr>
+        <p:xfrm>
+          <a:off x="990600" y="5105400"/>
+          <a:ext cx="6858000" cy="792480"/>
+        </p:xfrm>
+        <a:graphic>
+          <a:graphicData uri="http://schemas.openxmlformats.org/drawingml/2006/table">
+            <a:tbl>
+              <a:tblPr firstRow="1" bandRow="1">
+                <a:tableStyleId>{5C22544A-7EE6-4342-B048-85BDC9FD1C3A}</a:tableStyleId>
+              </a:tblPr>
+              <a:tblGrid>
+                <a:gridCol w="1687484"/>
+                <a:gridCol w="827116"/>
+                <a:gridCol w="2514600"/>
+                <a:gridCol w="1828800"/>
+              </a:tblGrid>
+              <a:tr h="121920">
+                <a:tc>
+                  <a:txBody>
+                    <a:bodyPr/>
+                    <a:lstStyle/>
+                    <a:p>
+                      <a:endParaRPr lang="en-US" sz="1800" dirty="0"/>
+                    </a:p>
+                  </a:txBody>
+                  <a:tcPr/>
+                </a:tc>
+                <a:tc>
+                  <a:txBody>
+                    <a:bodyPr/>
+                    <a:lstStyle/>
+                    <a:p>
+                      <a:r>
+                        <a:rPr lang="en-US" sz="1800" dirty="0" smtClean="0"/>
+                        <a:t>base</a:t>
+                      </a:r>
+                      <a:endParaRPr lang="en-US" sz="1800" dirty="0"/>
+                    </a:p>
+                  </a:txBody>
+                  <a:tcPr/>
+                </a:tc>
+                <a:tc>
+                  <a:txBody>
+                    <a:bodyPr/>
+                    <a:lstStyle/>
+                    <a:p>
+                      <a:r>
+                        <a:rPr lang="en-US" sz="1800" dirty="0" smtClean="0"/>
+                        <a:t>With data transform</a:t>
+                      </a:r>
+                      <a:endParaRPr lang="en-US" sz="1800" dirty="0"/>
+                    </a:p>
+                  </a:txBody>
+                  <a:tcPr/>
+                </a:tc>
+                <a:tc>
+                  <a:txBody>
+                    <a:bodyPr/>
+                    <a:lstStyle/>
+                    <a:p>
+                      <a:r>
+                        <a:rPr lang="en-US" sz="1800" dirty="0" smtClean="0"/>
+                        <a:t>%</a:t>
+                      </a:r>
+                      <a:endParaRPr lang="en-US" sz="1800" dirty="0"/>
+                    </a:p>
+                  </a:txBody>
+                  <a:tcPr/>
+                </a:tc>
+              </a:tr>
+              <a:tr h="426720">
+                <a:tc>
+                  <a:txBody>
+                    <a:bodyPr/>
+                    <a:lstStyle/>
+                    <a:p>
+                      <a:r>
+                        <a:rPr lang="en-US" sz="1800" b="1" dirty="0" err="1" smtClean="0"/>
+                        <a:t>timeProgram</a:t>
+                      </a:r>
+                      <a:endParaRPr lang="en-US" sz="1800" b="1" dirty="0"/>
+                    </a:p>
+                  </a:txBody>
+                  <a:tcPr/>
+                </a:tc>
+                <a:tc>
+                  <a:txBody>
+                    <a:bodyPr/>
+                    <a:lstStyle/>
+                    <a:p>
+                      <a:pPr algn="r"/>
+                      <a:r>
+                        <a:rPr lang="en-US" sz="1800" b="1" dirty="0" smtClean="0"/>
+                        <a:t>26.6</a:t>
+                      </a:r>
+                      <a:endParaRPr lang="en-US" sz="1800" b="1" dirty="0"/>
+                    </a:p>
+                  </a:txBody>
+                  <a:tcPr/>
+                </a:tc>
+                <a:tc>
+                  <a:txBody>
+                    <a:bodyPr/>
+                    <a:lstStyle/>
+                    <a:p>
+                      <a:pPr algn="r"/>
+                      <a:r>
+                        <a:rPr lang="en-US" sz="1800" b="1" dirty="0" smtClean="0"/>
+                        <a:t>49.2</a:t>
+                      </a:r>
+                      <a:endParaRPr lang="en-US" sz="1800" b="1" dirty="0"/>
+                    </a:p>
+                  </a:txBody>
+                  <a:tcPr/>
+                </a:tc>
+                <a:tc>
+                  <a:txBody>
+                    <a:bodyPr/>
+                    <a:lstStyle/>
+                    <a:p>
+                      <a:r>
+                        <a:rPr lang="en-US" sz="1800" b="1" dirty="0" smtClean="0"/>
+                        <a:t>185.0</a:t>
+                      </a:r>
+                      <a:r>
+                        <a:rPr lang="en-US" sz="1800" b="1" dirty="0" smtClean="0"/>
+                        <a:t>%</a:t>
+                      </a:r>
+                      <a:endParaRPr lang="en-US" sz="1800" b="1" dirty="0"/>
+                    </a:p>
+                  </a:txBody>
+                  <a:tcPr/>
+                </a:tc>
+              </a:tr>
+            </a:tbl>
+          </a:graphicData>
+        </a:graphic>
+      </p:graphicFrame>
     </p:spTree>
     <p:extLst>
       <p:ext uri="{BB962C8B-B14F-4D97-AF65-F5344CB8AC3E}">
-        <p14:creationId xmlns:p14="http://schemas.microsoft.com/office/powerpoint/2010/main" val="3488112551"/>
+        <p14:creationId xmlns:p14="http://schemas.microsoft.com/office/powerpoint/2010/main" xmlns="" val="3488112551"/>
       </p:ext>
     </p:extLst>
   </p:cSld>
@@ -5877,10 +6124,10 @@
           <p:nvPr/>
         </p:nvPicPr>
         <p:blipFill>
-          <a:blip r:embed="rId4">
+          <a:blip r:embed="rId4" cstate="print">
             <a:extLst>
               <a:ext uri="{28A0092B-C50C-407E-A947-70E740481C1C}">
-                <a14:useLocalDpi xmlns:a14="http://schemas.microsoft.com/office/drawing/2010/main" val="0"/>
+                <a14:useLocalDpi xmlns:a14="http://schemas.microsoft.com/office/drawing/2010/main" xmlns="" val="0"/>
               </a:ext>
             </a:extLst>
           </a:blip>
@@ -5904,14 +6151,14 @@
           <a:effectLst/>
           <a:extLst>
             <a:ext uri="{909E8E84-426E-40DD-AFC4-6F175D3DCCD1}">
-              <a14:hiddenFill xmlns:a14="http://schemas.microsoft.com/office/drawing/2010/main">
+              <a14:hiddenFill xmlns:a14="http://schemas.microsoft.com/office/drawing/2010/main" xmlns="">
                 <a:solidFill>
                   <a:schemeClr val="accent1"/>
                 </a:solidFill>
               </a14:hiddenFill>
             </a:ext>
             <a:ext uri="{91240B29-F687-4F45-9708-019B960494DF}">
-              <a14:hiddenLine xmlns:a14="http://schemas.microsoft.com/office/drawing/2010/main" w="9525">
+              <a14:hiddenLine xmlns:a14="http://schemas.microsoft.com/office/drawing/2010/main" xmlns="" w="9525">
                 <a:solidFill>
                   <a:schemeClr val="tx1"/>
                 </a:solidFill>
@@ -5921,7 +6168,7 @@
               </a14:hiddenLine>
             </a:ext>
             <a:ext uri="{AF507438-7753-43E0-B8FC-AC1667EBCBE1}">
-              <a14:hiddenEffects xmlns:a14="http://schemas.microsoft.com/office/drawing/2010/main">
+              <a14:hiddenEffects xmlns:a14="http://schemas.microsoft.com/office/drawing/2010/main" xmlns="">
                 <a:effectLst>
                   <a:outerShdw dist="35921" dir="2700000" algn="ctr" rotWithShape="0">
                     <a:schemeClr val="bg2"/>
@@ -5984,7 +6231,7 @@
     </p:spTree>
     <p:extLst>
       <p:ext uri="{BB962C8B-B14F-4D97-AF65-F5344CB8AC3E}">
-        <p14:creationId xmlns:p14="http://schemas.microsoft.com/office/powerpoint/2010/main" val="1515619629"/>
+        <p14:creationId xmlns:p14="http://schemas.microsoft.com/office/powerpoint/2010/main" xmlns="" val="1515619629"/>
       </p:ext>
     </p:extLst>
   </p:cSld>
@@ -6146,10 +6393,10 @@
           <p:nvPr/>
         </p:nvPicPr>
         <p:blipFill>
-          <a:blip r:embed="rId3">
+          <a:blip r:embed="rId3" cstate="print">
             <a:extLst>
               <a:ext uri="{28A0092B-C50C-407E-A947-70E740481C1C}">
-                <a14:useLocalDpi xmlns:a14="http://schemas.microsoft.com/office/drawing/2010/main" val="0"/>
+                <a14:useLocalDpi xmlns:a14="http://schemas.microsoft.com/office/drawing/2010/main" xmlns="" val="0"/>
               </a:ext>
             </a:extLst>
           </a:blip>
@@ -6173,14 +6420,14 @@
           <a:effectLst/>
           <a:extLst>
             <a:ext uri="{909E8E84-426E-40DD-AFC4-6F175D3DCCD1}">
-              <a14:hiddenFill xmlns:a14="http://schemas.microsoft.com/office/drawing/2010/main">
+              <a14:hiddenFill xmlns:a14="http://schemas.microsoft.com/office/drawing/2010/main" xmlns="">
                 <a:solidFill>
                   <a:schemeClr val="accent1"/>
                 </a:solidFill>
               </a14:hiddenFill>
             </a:ext>
             <a:ext uri="{91240B29-F687-4F45-9708-019B960494DF}">
-              <a14:hiddenLine xmlns:a14="http://schemas.microsoft.com/office/drawing/2010/main" w="9525">
+              <a14:hiddenLine xmlns:a14="http://schemas.microsoft.com/office/drawing/2010/main" xmlns="" w="9525">
                 <a:solidFill>
                   <a:schemeClr val="tx1"/>
                 </a:solidFill>
@@ -6190,7 +6437,7 @@
               </a14:hiddenLine>
             </a:ext>
             <a:ext uri="{AF507438-7753-43E0-B8FC-AC1667EBCBE1}">
-              <a14:hiddenEffects xmlns:a14="http://schemas.microsoft.com/office/drawing/2010/main">
+              <a14:hiddenEffects xmlns:a14="http://schemas.microsoft.com/office/drawing/2010/main" xmlns="">
                 <a:effectLst>
                   <a:outerShdw dist="35921" dir="2700000" algn="ctr" rotWithShape="0">
                     <a:schemeClr val="bg2"/>
@@ -6253,7 +6500,7 @@
     </p:spTree>
     <p:extLst>
       <p:ext uri="{BB962C8B-B14F-4D97-AF65-F5344CB8AC3E}">
-        <p14:creationId xmlns:p14="http://schemas.microsoft.com/office/powerpoint/2010/main" val="666662554"/>
+        <p14:creationId xmlns:p14="http://schemas.microsoft.com/office/powerpoint/2010/main" xmlns="" val="666662554"/>
       </p:ext>
     </p:extLst>
   </p:cSld>
@@ -6296,10 +6543,10 @@
           <p:nvPr/>
         </p:nvPicPr>
         <p:blipFill>
-          <a:blip r:embed="rId2">
+          <a:blip r:embed="rId2" cstate="print">
             <a:extLst>
               <a:ext uri="{28A0092B-C50C-407E-A947-70E740481C1C}">
-                <a14:useLocalDpi xmlns:a14="http://schemas.microsoft.com/office/drawing/2010/main" val="0"/>
+                <a14:useLocalDpi xmlns:a14="http://schemas.microsoft.com/office/drawing/2010/main" xmlns="" val="0"/>
               </a:ext>
             </a:extLst>
           </a:blip>
@@ -6323,14 +6570,14 @@
           <a:effectLst/>
           <a:extLst>
             <a:ext uri="{909E8E84-426E-40DD-AFC4-6F175D3DCCD1}">
-              <a14:hiddenFill xmlns:a14="http://schemas.microsoft.com/office/drawing/2010/main">
+              <a14:hiddenFill xmlns:a14="http://schemas.microsoft.com/office/drawing/2010/main" xmlns="">
                 <a:solidFill>
                   <a:schemeClr val="accent1"/>
                 </a:solidFill>
               </a14:hiddenFill>
             </a:ext>
             <a:ext uri="{91240B29-F687-4F45-9708-019B960494DF}">
-              <a14:hiddenLine xmlns:a14="http://schemas.microsoft.com/office/drawing/2010/main" w="9525">
+              <a14:hiddenLine xmlns:a14="http://schemas.microsoft.com/office/drawing/2010/main" xmlns="" w="9525">
                 <a:solidFill>
                   <a:schemeClr val="tx1"/>
                 </a:solidFill>
@@ -6340,7 +6587,7 @@
               </a14:hiddenLine>
             </a:ext>
             <a:ext uri="{AF507438-7753-43E0-B8FC-AC1667EBCBE1}">
-              <a14:hiddenEffects xmlns:a14="http://schemas.microsoft.com/office/drawing/2010/main">
+              <a14:hiddenEffects xmlns:a14="http://schemas.microsoft.com/office/drawing/2010/main" xmlns="">
                 <a:effectLst>
                   <a:outerShdw dist="35921" dir="2700000" algn="ctr" rotWithShape="0">
                     <a:schemeClr val="bg2"/>
@@ -6438,7 +6685,7 @@
     </p:spTree>
     <p:extLst>
       <p:ext uri="{BB962C8B-B14F-4D97-AF65-F5344CB8AC3E}">
-        <p14:creationId xmlns:p14="http://schemas.microsoft.com/office/powerpoint/2010/main" val="2150256598"/>
+        <p14:creationId xmlns:p14="http://schemas.microsoft.com/office/powerpoint/2010/main" xmlns="" val="2150256598"/>
       </p:ext>
     </p:extLst>
   </p:cSld>
@@ -6482,7 +6729,7 @@
             <p:ph idx="1"/>
             <p:extLst>
               <p:ext uri="{D42A27DB-BD31-4B8C-83A1-F6EECF244321}">
-                <p14:modId xmlns:p14="http://schemas.microsoft.com/office/powerpoint/2010/main" val="3716771836"/>
+                <p14:modId xmlns:p14="http://schemas.microsoft.com/office/powerpoint/2010/main" xmlns="" val="3716771836"/>
               </p:ext>
             </p:extLst>
           </p:nvPr>
@@ -6992,7 +7239,7 @@
           <p:nvPr>
             <p:extLst>
               <p:ext uri="{D42A27DB-BD31-4B8C-83A1-F6EECF244321}">
-                <p14:modId xmlns:p14="http://schemas.microsoft.com/office/powerpoint/2010/main" val="3004411744"/>
+                <p14:modId xmlns:p14="http://schemas.microsoft.com/office/powerpoint/2010/main" xmlns="" val="3004411744"/>
               </p:ext>
             </p:extLst>
           </p:nvPr>
@@ -7049,11 +7296,7 @@
                     <a:p>
                       <a:r>
                         <a:rPr lang="en-US" sz="1600" b="1" dirty="0" smtClean="0"/>
-                        <a:t> </a:t>
-                      </a:r>
-                      <a:r>
-                        <a:rPr lang="en-US" sz="1600" b="1" dirty="0" smtClean="0"/>
-                        <a:t>      timeBpm2</a:t>
+                        <a:t>       timeBpm2</a:t>
                       </a:r>
                       <a:endParaRPr lang="en-US" sz="1600" b="1" baseline="0" dirty="0" smtClean="0"/>
                     </a:p>
@@ -7515,7 +7758,7 @@
     </p:spTree>
     <p:extLst>
       <p:ext uri="{BB962C8B-B14F-4D97-AF65-F5344CB8AC3E}">
-        <p14:creationId xmlns:p14="http://schemas.microsoft.com/office/powerpoint/2010/main" val="1493163575"/>
+        <p14:creationId xmlns:p14="http://schemas.microsoft.com/office/powerpoint/2010/main" xmlns="" val="1493163575"/>
       </p:ext>
     </p:extLst>
   </p:cSld>
@@ -7559,7 +7802,7 @@
             <p:ph idx="1"/>
             <p:extLst>
               <p:ext uri="{D42A27DB-BD31-4B8C-83A1-F6EECF244321}">
-                <p14:modId xmlns:p14="http://schemas.microsoft.com/office/powerpoint/2010/main" val="1174561031"/>
+                <p14:modId xmlns:p14="http://schemas.microsoft.com/office/powerpoint/2010/main" xmlns="" val="1174561031"/>
               </p:ext>
             </p:extLst>
           </p:nvPr>
@@ -7606,7 +7849,7 @@
           <p:nvPr>
             <p:extLst>
               <p:ext uri="{D42A27DB-BD31-4B8C-83A1-F6EECF244321}">
-                <p14:modId xmlns:p14="http://schemas.microsoft.com/office/powerpoint/2010/main" val="1226026479"/>
+                <p14:modId xmlns:p14="http://schemas.microsoft.com/office/powerpoint/2010/main" xmlns="" val="1226026479"/>
               </p:ext>
             </p:extLst>
           </p:nvPr>
@@ -7624,7 +7867,7 @@
     </p:spTree>
     <p:extLst>
       <p:ext uri="{BB962C8B-B14F-4D97-AF65-F5344CB8AC3E}">
-        <p14:creationId xmlns:p14="http://schemas.microsoft.com/office/powerpoint/2010/main" val="3488032100"/>
+        <p14:creationId xmlns:p14="http://schemas.microsoft.com/office/powerpoint/2010/main" xmlns="" val="3488032100"/>
       </p:ext>
     </p:extLst>
   </p:cSld>
@@ -7777,10 +8020,10 @@
           <p:nvPr/>
         </p:nvPicPr>
         <p:blipFill>
-          <a:blip r:embed="rId2">
+          <a:blip r:embed="rId2" cstate="print">
             <a:extLst>
               <a:ext uri="{28A0092B-C50C-407E-A947-70E740481C1C}">
-                <a14:useLocalDpi xmlns:a14="http://schemas.microsoft.com/office/drawing/2010/main" val="0"/>
+                <a14:useLocalDpi xmlns:a14="http://schemas.microsoft.com/office/drawing/2010/main" xmlns="" val="0"/>
               </a:ext>
             </a:extLst>
           </a:blip>
@@ -7804,14 +8047,14 @@
           <a:effectLst/>
           <a:extLst>
             <a:ext uri="{909E8E84-426E-40DD-AFC4-6F175D3DCCD1}">
-              <a14:hiddenFill xmlns:a14="http://schemas.microsoft.com/office/drawing/2010/main">
+              <a14:hiddenFill xmlns:a14="http://schemas.microsoft.com/office/drawing/2010/main" xmlns="">
                 <a:solidFill>
                   <a:schemeClr val="accent1"/>
                 </a:solidFill>
               </a14:hiddenFill>
             </a:ext>
             <a:ext uri="{91240B29-F687-4F45-9708-019B960494DF}">
-              <a14:hiddenLine xmlns:a14="http://schemas.microsoft.com/office/drawing/2010/main" w="9525">
+              <a14:hiddenLine xmlns:a14="http://schemas.microsoft.com/office/drawing/2010/main" xmlns="" w="9525">
                 <a:solidFill>
                   <a:schemeClr val="tx1"/>
                 </a:solidFill>
@@ -7821,7 +8064,7 @@
               </a14:hiddenLine>
             </a:ext>
             <a:ext uri="{AF507438-7753-43E0-B8FC-AC1667EBCBE1}">
-              <a14:hiddenEffects xmlns:a14="http://schemas.microsoft.com/office/drawing/2010/main">
+              <a14:hiddenEffects xmlns:a14="http://schemas.microsoft.com/office/drawing/2010/main" xmlns="">
                 <a:effectLst>
                   <a:outerShdw dist="35921" dir="2700000" algn="ctr" rotWithShape="0">
                     <a:schemeClr val="bg2"/>
@@ -7835,7 +8078,7 @@
     </p:spTree>
     <p:extLst>
       <p:ext uri="{BB962C8B-B14F-4D97-AF65-F5344CB8AC3E}">
-        <p14:creationId xmlns:p14="http://schemas.microsoft.com/office/powerpoint/2010/main" val="3035282805"/>
+        <p14:creationId xmlns:p14="http://schemas.microsoft.com/office/powerpoint/2010/main" xmlns="" val="3035282805"/>
       </p:ext>
     </p:extLst>
   </p:cSld>
@@ -7953,7 +8196,6 @@
               <a:rPr lang="en-US" dirty="0" smtClean="0"/>
               <a:t>Index recalculations</a:t>
             </a:r>
-            <a:endParaRPr lang="en-US" dirty="0" smtClean="0"/>
           </a:p>
         </p:txBody>
       </p:sp>
@@ -7976,11 +8218,7 @@
           <a:p>
             <a:r>
               <a:rPr lang="en-US" dirty="0" smtClean="0"/>
-              <a:t>CPU </a:t>
-            </a:r>
-            <a:r>
-              <a:rPr lang="en-US" dirty="0" smtClean="0"/>
-              <a:t>Parallelization - Approach</a:t>
+              <a:t>CPU Parallelization - Approach</a:t>
             </a:r>
             <a:endParaRPr lang="en-US" dirty="0"/>
           </a:p>
@@ -7995,10 +8233,10 @@
           <p:nvPr/>
         </p:nvPicPr>
         <p:blipFill>
-          <a:blip r:embed="rId3">
+          <a:blip r:embed="rId3" cstate="print">
             <a:extLst>
               <a:ext uri="{28A0092B-C50C-407E-A947-70E740481C1C}">
-                <a14:useLocalDpi xmlns:a14="http://schemas.microsoft.com/office/drawing/2010/main" val="0"/>
+                <a14:useLocalDpi xmlns:a14="http://schemas.microsoft.com/office/drawing/2010/main" xmlns="" val="0"/>
               </a:ext>
             </a:extLst>
           </a:blip>
@@ -8022,14 +8260,14 @@
           <a:effectLst/>
           <a:extLst>
             <a:ext uri="{909E8E84-426E-40DD-AFC4-6F175D3DCCD1}">
-              <a14:hiddenFill xmlns:a14="http://schemas.microsoft.com/office/drawing/2010/main">
+              <a14:hiddenFill xmlns:a14="http://schemas.microsoft.com/office/drawing/2010/main" xmlns="">
                 <a:solidFill>
                   <a:schemeClr val="accent1"/>
                 </a:solidFill>
               </a14:hiddenFill>
             </a:ext>
             <a:ext uri="{91240B29-F687-4F45-9708-019B960494DF}">
-              <a14:hiddenLine xmlns:a14="http://schemas.microsoft.com/office/drawing/2010/main" w="9525">
+              <a14:hiddenLine xmlns:a14="http://schemas.microsoft.com/office/drawing/2010/main" xmlns="" w="9525">
                 <a:solidFill>
                   <a:schemeClr val="tx1"/>
                 </a:solidFill>
@@ -8039,7 +8277,7 @@
               </a14:hiddenLine>
             </a:ext>
             <a:ext uri="{AF507438-7753-43E0-B8FC-AC1667EBCBE1}">
-              <a14:hiddenEffects xmlns:a14="http://schemas.microsoft.com/office/drawing/2010/main">
+              <a14:hiddenEffects xmlns:a14="http://schemas.microsoft.com/office/drawing/2010/main" xmlns="">
                 <a:effectLst>
                   <a:outerShdw dist="35921" dir="2700000" algn="ctr" rotWithShape="0">
                     <a:schemeClr val="bg2"/>
@@ -8059,10 +8297,10 @@
           <p:nvPr/>
         </p:nvPicPr>
         <p:blipFill>
-          <a:blip r:embed="rId4">
+          <a:blip r:embed="rId4" cstate="print">
             <a:extLst>
               <a:ext uri="{28A0092B-C50C-407E-A947-70E740481C1C}">
-                <a14:useLocalDpi xmlns:a14="http://schemas.microsoft.com/office/drawing/2010/main" val="0"/>
+                <a14:useLocalDpi xmlns:a14="http://schemas.microsoft.com/office/drawing/2010/main" xmlns="" val="0"/>
               </a:ext>
             </a:extLst>
           </a:blip>
@@ -8086,14 +8324,14 @@
           <a:effectLst/>
           <a:extLst>
             <a:ext uri="{909E8E84-426E-40DD-AFC4-6F175D3DCCD1}">
-              <a14:hiddenFill xmlns:a14="http://schemas.microsoft.com/office/drawing/2010/main">
+              <a14:hiddenFill xmlns:a14="http://schemas.microsoft.com/office/drawing/2010/main" xmlns="">
                 <a:solidFill>
                   <a:schemeClr val="accent1"/>
                 </a:solidFill>
               </a14:hiddenFill>
             </a:ext>
             <a:ext uri="{91240B29-F687-4F45-9708-019B960494DF}">
-              <a14:hiddenLine xmlns:a14="http://schemas.microsoft.com/office/drawing/2010/main" w="9525">
+              <a14:hiddenLine xmlns:a14="http://schemas.microsoft.com/office/drawing/2010/main" xmlns="" w="9525">
                 <a:solidFill>
                   <a:schemeClr val="tx1"/>
                 </a:solidFill>
@@ -8103,7 +8341,7 @@
               </a14:hiddenLine>
             </a:ext>
             <a:ext uri="{AF507438-7753-43E0-B8FC-AC1667EBCBE1}">
-              <a14:hiddenEffects xmlns:a14="http://schemas.microsoft.com/office/drawing/2010/main">
+              <a14:hiddenEffects xmlns:a14="http://schemas.microsoft.com/office/drawing/2010/main" xmlns="">
                 <a:effectLst>
                   <a:outerShdw dist="35921" dir="2700000" algn="ctr" rotWithShape="0">
                     <a:schemeClr val="bg2"/>
@@ -8117,7 +8355,7 @@
     </p:spTree>
     <p:extLst>
       <p:ext uri="{BB962C8B-B14F-4D97-AF65-F5344CB8AC3E}">
-        <p14:creationId xmlns:p14="http://schemas.microsoft.com/office/powerpoint/2010/main" val="3873021478"/>
+        <p14:creationId xmlns:p14="http://schemas.microsoft.com/office/powerpoint/2010/main" xmlns="" val="3873021478"/>
       </p:ext>
     </p:extLst>
   </p:cSld>
@@ -8161,11 +8399,7 @@
           <a:p>
             <a:r>
               <a:rPr lang="en-US" dirty="0" smtClean="0"/>
-              <a:t>CPU </a:t>
-            </a:r>
-            <a:r>
-              <a:rPr lang="en-US" dirty="0" smtClean="0"/>
-              <a:t>Parallelization - Code</a:t>
+              <a:t>CPU Parallelization - Code</a:t>
             </a:r>
             <a:endParaRPr lang="en-US" dirty="0"/>
           </a:p>
@@ -8180,10 +8414,10 @@
           <p:nvPr/>
         </p:nvPicPr>
         <p:blipFill>
-          <a:blip r:embed="rId2">
+          <a:blip r:embed="rId2" cstate="print">
             <a:extLst>
               <a:ext uri="{BEBA8EAE-BF5A-486C-A8C5-ECC9F3942E4B}">
-                <a14:imgProps xmlns:a14="http://schemas.microsoft.com/office/drawing/2010/main">
+                <a14:imgProps xmlns:a14="http://schemas.microsoft.com/office/drawing/2010/main" xmlns="">
                   <a14:imgLayer r:embed="rId3">
                     <a14:imgEffect>
                       <a14:brightnessContrast bright="-10000" contrast="40000"/>
@@ -8192,7 +8426,7 @@
                 </a14:imgProps>
               </a:ext>
               <a:ext uri="{28A0092B-C50C-407E-A947-70E740481C1C}">
-                <a14:useLocalDpi xmlns:a14="http://schemas.microsoft.com/office/drawing/2010/main" val="0"/>
+                <a14:useLocalDpi xmlns:a14="http://schemas.microsoft.com/office/drawing/2010/main" xmlns="" val="0"/>
               </a:ext>
             </a:extLst>
           </a:blip>
@@ -8216,14 +8450,14 @@
           <a:effectLst/>
           <a:extLst>
             <a:ext uri="{909E8E84-426E-40DD-AFC4-6F175D3DCCD1}">
-              <a14:hiddenFill xmlns:a14="http://schemas.microsoft.com/office/drawing/2010/main">
+              <a14:hiddenFill xmlns:a14="http://schemas.microsoft.com/office/drawing/2010/main" xmlns="">
                 <a:solidFill>
                   <a:schemeClr val="accent1"/>
                 </a:solidFill>
               </a14:hiddenFill>
             </a:ext>
             <a:ext uri="{91240B29-F687-4F45-9708-019B960494DF}">
-              <a14:hiddenLine xmlns:a14="http://schemas.microsoft.com/office/drawing/2010/main" w="9525">
+              <a14:hiddenLine xmlns:a14="http://schemas.microsoft.com/office/drawing/2010/main" xmlns="" w="9525">
                 <a:solidFill>
                   <a:schemeClr val="tx1"/>
                 </a:solidFill>
@@ -8233,7 +8467,7 @@
               </a14:hiddenLine>
             </a:ext>
             <a:ext uri="{AF507438-7753-43E0-B8FC-AC1667EBCBE1}">
-              <a14:hiddenEffects xmlns:a14="http://schemas.microsoft.com/office/drawing/2010/main">
+              <a14:hiddenEffects xmlns:a14="http://schemas.microsoft.com/office/drawing/2010/main" xmlns="">
                 <a:effectLst>
                   <a:outerShdw dist="35921" dir="2700000" algn="ctr" rotWithShape="0">
                     <a:schemeClr val="bg2"/>
@@ -8247,7 +8481,7 @@
     </p:spTree>
     <p:extLst>
       <p:ext uri="{BB962C8B-B14F-4D97-AF65-F5344CB8AC3E}">
-        <p14:creationId xmlns:p14="http://schemas.microsoft.com/office/powerpoint/2010/main" val="3222208541"/>
+        <p14:creationId xmlns:p14="http://schemas.microsoft.com/office/powerpoint/2010/main" xmlns="" val="3222208541"/>
       </p:ext>
     </p:extLst>
   </p:cSld>
@@ -8284,7 +8518,7 @@
             <p:ph idx="1"/>
             <p:extLst>
               <p:ext uri="{D42A27DB-BD31-4B8C-83A1-F6EECF244321}">
-                <p14:modId xmlns:p14="http://schemas.microsoft.com/office/powerpoint/2010/main" val="288806458"/>
+                <p14:modId xmlns:p14="http://schemas.microsoft.com/office/powerpoint/2010/main" xmlns="" val="288806458"/>
               </p:ext>
             </p:extLst>
           </p:nvPr>
@@ -8331,7 +8565,7 @@
           <p:nvPr>
             <p:extLst>
               <p:ext uri="{D42A27DB-BD31-4B8C-83A1-F6EECF244321}">
-                <p14:modId xmlns:p14="http://schemas.microsoft.com/office/powerpoint/2010/main" val="1524661979"/>
+                <p14:modId xmlns:p14="http://schemas.microsoft.com/office/powerpoint/2010/main" xmlns="" val="1524661979"/>
               </p:ext>
             </p:extLst>
           </p:nvPr>
@@ -8653,7 +8887,7 @@
     </p:spTree>
     <p:extLst>
       <p:ext uri="{BB962C8B-B14F-4D97-AF65-F5344CB8AC3E}">
-        <p14:creationId xmlns:p14="http://schemas.microsoft.com/office/powerpoint/2010/main" val="2139139552"/>
+        <p14:creationId xmlns:p14="http://schemas.microsoft.com/office/powerpoint/2010/main" xmlns="" val="2139139552"/>
       </p:ext>
     </p:extLst>
   </p:cSld>
